--- a/plot/caiman nat img vs grating/trace_compare.pptx
+++ b/plot/caiman nat img vs grating/trace_compare.pptx
@@ -3446,7 +3446,7 @@
           <a:p>
             <a:r>
               <a:rPr lang="en-US" b="0" dirty="0"/>
-              <a:t>Caiman segment (no smoothing)</a:t>
+              <a:t>Caiman segment (all cells, not just vis driven)</a:t>
             </a:r>
           </a:p>
         </p:txBody>
@@ -3541,6 +3541,14 @@
               <a:rPr lang="en-US" dirty="0"/>
               <a:t>grating V1_ i1329_201209</a:t>
             </a:r>
+            <a:br>
+              <a:rPr lang="en-US" dirty="0"/>
+            </a:br>
+            <a:r>
+              <a:rPr lang="en-US" sz="2000" dirty="0"/>
+              <a:t>vis driven only</a:t>
+            </a:r>
+            <a:endParaRPr lang="en-US" dirty="0"/>
           </a:p>
         </p:txBody>
       </p:sp>
